--- a/folien/Semester_03_Termin_01_Kapitel01.pptx
+++ b/folien/Semester_03_Termin_01_Kapitel01.pptx
@@ -184,7 +184,7 @@
         <p:nvSpPr>
           <p:cNvPr id="2050" name="Rectangle 1"/>
           <p:cNvSpPr>
-            <a:spLocks noGrp="1" noChangeArrowheads="1"/>
+            <a:spLocks noGrp="1" noRot="1" noChangeAspect="1" noChangeArrowheads="1"/>
           </p:cNvSpPr>
           <p:nvPr>
             <p:ph type="sldImg"/>
@@ -233,14 +233,14 @@
           <a:effectLst/>
           <a:extLst>
             <a:ext uri="{909E8E84-426E-40DD-AFC4-6F175D3DCCD1}">
-              <a14:hiddenFill xmlns:a14="http://schemas.microsoft.com/office/drawing/2010/main" xmlns="">
+              <a14:hiddenFill xmlns="" xmlns:a14="http://schemas.microsoft.com/office/drawing/2010/main">
                 <a:solidFill>
                   <a:srgbClr val="FFFFFF"/>
                 </a:solidFill>
               </a14:hiddenFill>
             </a:ext>
             <a:ext uri="{91240B29-F687-4F45-9708-019B960494DF}">
-              <a14:hiddenLine xmlns:a14="http://schemas.microsoft.com/office/drawing/2010/main" xmlns="" w="9525">
+              <a14:hiddenLine xmlns="" xmlns:a14="http://schemas.microsoft.com/office/drawing/2010/main" w="9525">
                 <a:solidFill>
                   <a:srgbClr val="000000"/>
                 </a:solidFill>
@@ -250,7 +250,7 @@
               </a14:hiddenLine>
             </a:ext>
             <a:ext uri="{AF507438-7753-43E0-B8FC-AC1667EBCBE1}">
-              <a14:hiddenEffects xmlns:a14="http://schemas.microsoft.com/office/drawing/2010/main" xmlns="">
+              <a14:hiddenEffects xmlns="" xmlns:a14="http://schemas.microsoft.com/office/drawing/2010/main">
                 <a:effectLst>
                   <a:outerShdw dist="35921" dir="2700000" algn="ctr" rotWithShape="0">
                     <a:schemeClr val="bg2"/>
@@ -298,14 +298,14 @@
           <a:effectLst/>
           <a:extLst>
             <a:ext uri="{909E8E84-426E-40DD-AFC4-6F175D3DCCD1}">
-              <a14:hiddenFill xmlns:a14="http://schemas.microsoft.com/office/drawing/2010/main" xmlns="">
+              <a14:hiddenFill xmlns="" xmlns:a14="http://schemas.microsoft.com/office/drawing/2010/main">
                 <a:solidFill>
                   <a:srgbClr val="FFFFFF"/>
                 </a:solidFill>
               </a14:hiddenFill>
             </a:ext>
             <a:ext uri="{91240B29-F687-4F45-9708-019B960494DF}">
-              <a14:hiddenLine xmlns:a14="http://schemas.microsoft.com/office/drawing/2010/main" xmlns="" w="9525">
+              <a14:hiddenLine xmlns="" xmlns:a14="http://schemas.microsoft.com/office/drawing/2010/main" w="9525">
                 <a:solidFill>
                   <a:srgbClr val="000000"/>
                 </a:solidFill>
@@ -315,7 +315,7 @@
               </a14:hiddenLine>
             </a:ext>
             <a:ext uri="{AF507438-7753-43E0-B8FC-AC1667EBCBE1}">
-              <a14:hiddenEffects xmlns:a14="http://schemas.microsoft.com/office/drawing/2010/main" xmlns="">
+              <a14:hiddenEffects xmlns="" xmlns:a14="http://schemas.microsoft.com/office/drawing/2010/main">
                 <a:effectLst>
                   <a:outerShdw dist="35921" dir="2700000" algn="ctr" rotWithShape="0">
                     <a:schemeClr val="bg2"/>
@@ -390,14 +390,14 @@
           <a:effectLst/>
           <a:extLst>
             <a:ext uri="{909E8E84-426E-40DD-AFC4-6F175D3DCCD1}">
-              <a14:hiddenFill xmlns:a14="http://schemas.microsoft.com/office/drawing/2010/main" xmlns="">
+              <a14:hiddenFill xmlns="" xmlns:a14="http://schemas.microsoft.com/office/drawing/2010/main">
                 <a:solidFill>
                   <a:srgbClr val="FFFFFF"/>
                 </a:solidFill>
               </a14:hiddenFill>
             </a:ext>
             <a:ext uri="{91240B29-F687-4F45-9708-019B960494DF}">
-              <a14:hiddenLine xmlns:a14="http://schemas.microsoft.com/office/drawing/2010/main" xmlns="" w="9525">
+              <a14:hiddenLine xmlns="" xmlns:a14="http://schemas.microsoft.com/office/drawing/2010/main" w="9525">
                 <a:solidFill>
                   <a:srgbClr val="000000"/>
                 </a:solidFill>
@@ -407,7 +407,7 @@
               </a14:hiddenLine>
             </a:ext>
             <a:ext uri="{AF507438-7753-43E0-B8FC-AC1667EBCBE1}">
-              <a14:hiddenEffects xmlns:a14="http://schemas.microsoft.com/office/drawing/2010/main" xmlns="">
+              <a14:hiddenEffects xmlns="" xmlns:a14="http://schemas.microsoft.com/office/drawing/2010/main">
                 <a:effectLst>
                   <a:outerShdw dist="35921" dir="2700000" algn="ctr" rotWithShape="0">
                     <a:schemeClr val="bg2"/>
@@ -482,14 +482,14 @@
           <a:effectLst/>
           <a:extLst>
             <a:ext uri="{909E8E84-426E-40DD-AFC4-6F175D3DCCD1}">
-              <a14:hiddenFill xmlns:a14="http://schemas.microsoft.com/office/drawing/2010/main" xmlns="">
+              <a14:hiddenFill xmlns="" xmlns:a14="http://schemas.microsoft.com/office/drawing/2010/main">
                 <a:solidFill>
                   <a:srgbClr val="FFFFFF"/>
                 </a:solidFill>
               </a14:hiddenFill>
             </a:ext>
             <a:ext uri="{91240B29-F687-4F45-9708-019B960494DF}">
-              <a14:hiddenLine xmlns:a14="http://schemas.microsoft.com/office/drawing/2010/main" xmlns="" w="9525">
+              <a14:hiddenLine xmlns="" xmlns:a14="http://schemas.microsoft.com/office/drawing/2010/main" w="9525">
                 <a:solidFill>
                   <a:srgbClr val="000000"/>
                 </a:solidFill>
@@ -499,7 +499,7 @@
               </a14:hiddenLine>
             </a:ext>
             <a:ext uri="{AF507438-7753-43E0-B8FC-AC1667EBCBE1}">
-              <a14:hiddenEffects xmlns:a14="http://schemas.microsoft.com/office/drawing/2010/main" xmlns="">
+              <a14:hiddenEffects xmlns="" xmlns:a14="http://schemas.microsoft.com/office/drawing/2010/main">
                 <a:effectLst>
                   <a:outerShdw dist="35921" dir="2700000" algn="ctr" rotWithShape="0">
                     <a:schemeClr val="bg2"/>
@@ -574,14 +574,14 @@
           <a:effectLst/>
           <a:extLst>
             <a:ext uri="{909E8E84-426E-40DD-AFC4-6F175D3DCCD1}">
-              <a14:hiddenFill xmlns:a14="http://schemas.microsoft.com/office/drawing/2010/main" xmlns="">
+              <a14:hiddenFill xmlns="" xmlns:a14="http://schemas.microsoft.com/office/drawing/2010/main">
                 <a:solidFill>
                   <a:srgbClr val="FFFFFF"/>
                 </a:solidFill>
               </a14:hiddenFill>
             </a:ext>
             <a:ext uri="{91240B29-F687-4F45-9708-019B960494DF}">
-              <a14:hiddenLine xmlns:a14="http://schemas.microsoft.com/office/drawing/2010/main" xmlns="" w="9525">
+              <a14:hiddenLine xmlns="" xmlns:a14="http://schemas.microsoft.com/office/drawing/2010/main" w="9525">
                 <a:solidFill>
                   <a:srgbClr val="000000"/>
                 </a:solidFill>
@@ -591,7 +591,7 @@
               </a14:hiddenLine>
             </a:ext>
             <a:ext uri="{AF507438-7753-43E0-B8FC-AC1667EBCBE1}">
-              <a14:hiddenEffects xmlns:a14="http://schemas.microsoft.com/office/drawing/2010/main" xmlns="">
+              <a14:hiddenEffects xmlns="" xmlns:a14="http://schemas.microsoft.com/office/drawing/2010/main">
                 <a:effectLst>
                   <a:outerShdw dist="35921" dir="2700000" algn="ctr" rotWithShape="0">
                     <a:schemeClr val="bg2"/>
@@ -855,7 +855,7 @@
         <p:nvSpPr>
           <p:cNvPr id="4099" name="Rectangle 1"/>
           <p:cNvSpPr>
-            <a:spLocks noChangeArrowheads="1" noTextEdit="1"/>
+            <a:spLocks noGrp="1" noRot="1" noChangeAspect="1" noChangeArrowheads="1" noTextEdit="1"/>
           </p:cNvSpPr>
           <p:nvPr>
             <p:ph type="sldImg"/>
@@ -881,7 +881,7 @@
         <p:nvSpPr>
           <p:cNvPr id="4100" name="Rectangle 2"/>
           <p:cNvSpPr>
-            <a:spLocks noChangeArrowheads="1"/>
+            <a:spLocks noGrp="1" noChangeArrowheads="1"/>
           </p:cNvSpPr>
           <p:nvPr>
             <p:ph type="body" idx="1"/>
@@ -972,7 +972,7 @@
         <p:nvSpPr>
           <p:cNvPr id="22531" name="Rectangle 1"/>
           <p:cNvSpPr>
-            <a:spLocks noChangeArrowheads="1" noTextEdit="1"/>
+            <a:spLocks noGrp="1" noRot="1" noChangeAspect="1" noChangeArrowheads="1" noTextEdit="1"/>
           </p:cNvSpPr>
           <p:nvPr>
             <p:ph type="sldImg"/>
@@ -998,7 +998,7 @@
         <p:nvSpPr>
           <p:cNvPr id="22532" name="Rectangle 2"/>
           <p:cNvSpPr>
-            <a:spLocks noChangeArrowheads="1"/>
+            <a:spLocks noGrp="1" noChangeArrowheads="1"/>
           </p:cNvSpPr>
           <p:nvPr>
             <p:ph type="body" idx="1"/>
@@ -1089,7 +1089,7 @@
         <p:nvSpPr>
           <p:cNvPr id="24579" name="Rectangle 1"/>
           <p:cNvSpPr>
-            <a:spLocks noChangeArrowheads="1" noTextEdit="1"/>
+            <a:spLocks noGrp="1" noRot="1" noChangeAspect="1" noChangeArrowheads="1" noTextEdit="1"/>
           </p:cNvSpPr>
           <p:nvPr>
             <p:ph type="sldImg"/>
@@ -1115,7 +1115,7 @@
         <p:nvSpPr>
           <p:cNvPr id="24580" name="Rectangle 2"/>
           <p:cNvSpPr>
-            <a:spLocks noChangeArrowheads="1"/>
+            <a:spLocks noGrp="1" noChangeArrowheads="1"/>
           </p:cNvSpPr>
           <p:nvPr>
             <p:ph type="body" idx="1"/>
@@ -1206,7 +1206,7 @@
         <p:nvSpPr>
           <p:cNvPr id="26627" name="Rectangle 1"/>
           <p:cNvSpPr>
-            <a:spLocks noChangeArrowheads="1" noTextEdit="1"/>
+            <a:spLocks noGrp="1" noRot="1" noChangeAspect="1" noChangeArrowheads="1" noTextEdit="1"/>
           </p:cNvSpPr>
           <p:nvPr>
             <p:ph type="sldImg"/>
@@ -1232,7 +1232,7 @@
         <p:nvSpPr>
           <p:cNvPr id="26628" name="Rectangle 2"/>
           <p:cNvSpPr>
-            <a:spLocks noChangeArrowheads="1"/>
+            <a:spLocks noGrp="1" noChangeArrowheads="1"/>
           </p:cNvSpPr>
           <p:nvPr>
             <p:ph type="body" idx="1"/>
@@ -1323,7 +1323,7 @@
         <p:nvSpPr>
           <p:cNvPr id="28675" name="Rectangle 1"/>
           <p:cNvSpPr>
-            <a:spLocks noChangeArrowheads="1" noTextEdit="1"/>
+            <a:spLocks noGrp="1" noRot="1" noChangeAspect="1" noChangeArrowheads="1" noTextEdit="1"/>
           </p:cNvSpPr>
           <p:nvPr>
             <p:ph type="sldImg"/>
@@ -1349,7 +1349,7 @@
         <p:nvSpPr>
           <p:cNvPr id="28676" name="Rectangle 2"/>
           <p:cNvSpPr>
-            <a:spLocks noChangeArrowheads="1"/>
+            <a:spLocks noGrp="1" noChangeArrowheads="1"/>
           </p:cNvSpPr>
           <p:nvPr>
             <p:ph type="body" idx="1"/>
@@ -1440,7 +1440,7 @@
         <p:nvSpPr>
           <p:cNvPr id="30723" name="Rectangle 1"/>
           <p:cNvSpPr>
-            <a:spLocks noChangeArrowheads="1" noTextEdit="1"/>
+            <a:spLocks noGrp="1" noRot="1" noChangeAspect="1" noChangeArrowheads="1" noTextEdit="1"/>
           </p:cNvSpPr>
           <p:nvPr>
             <p:ph type="sldImg"/>
@@ -1466,7 +1466,7 @@
         <p:nvSpPr>
           <p:cNvPr id="30724" name="Rectangle 2"/>
           <p:cNvSpPr>
-            <a:spLocks noChangeArrowheads="1"/>
+            <a:spLocks noGrp="1" noChangeArrowheads="1"/>
           </p:cNvSpPr>
           <p:nvPr>
             <p:ph type="body" idx="1"/>
@@ -1557,7 +1557,7 @@
         <p:nvSpPr>
           <p:cNvPr id="32771" name="Rectangle 1"/>
           <p:cNvSpPr>
-            <a:spLocks noChangeArrowheads="1" noTextEdit="1"/>
+            <a:spLocks noGrp="1" noRot="1" noChangeAspect="1" noChangeArrowheads="1" noTextEdit="1"/>
           </p:cNvSpPr>
           <p:nvPr>
             <p:ph type="sldImg"/>
@@ -1583,7 +1583,7 @@
         <p:nvSpPr>
           <p:cNvPr id="32772" name="Rectangle 2"/>
           <p:cNvSpPr>
-            <a:spLocks noChangeArrowheads="1"/>
+            <a:spLocks noGrp="1" noChangeArrowheads="1"/>
           </p:cNvSpPr>
           <p:nvPr>
             <p:ph type="body" idx="1"/>
@@ -1674,7 +1674,7 @@
         <p:nvSpPr>
           <p:cNvPr id="34819" name="Rectangle 1"/>
           <p:cNvSpPr>
-            <a:spLocks noChangeArrowheads="1" noTextEdit="1"/>
+            <a:spLocks noGrp="1" noRot="1" noChangeAspect="1" noChangeArrowheads="1" noTextEdit="1"/>
           </p:cNvSpPr>
           <p:nvPr>
             <p:ph type="sldImg"/>
@@ -1700,7 +1700,7 @@
         <p:nvSpPr>
           <p:cNvPr id="34820" name="Rectangle 2"/>
           <p:cNvSpPr>
-            <a:spLocks noChangeArrowheads="1"/>
+            <a:spLocks noGrp="1" noChangeArrowheads="1"/>
           </p:cNvSpPr>
           <p:nvPr>
             <p:ph type="body" idx="1"/>
@@ -1791,7 +1791,7 @@
         <p:nvSpPr>
           <p:cNvPr id="6147" name="Rectangle 1"/>
           <p:cNvSpPr>
-            <a:spLocks noChangeArrowheads="1" noTextEdit="1"/>
+            <a:spLocks noGrp="1" noRot="1" noChangeAspect="1" noChangeArrowheads="1" noTextEdit="1"/>
           </p:cNvSpPr>
           <p:nvPr>
             <p:ph type="sldImg"/>
@@ -1817,7 +1817,7 @@
         <p:nvSpPr>
           <p:cNvPr id="6148" name="Rectangle 2"/>
           <p:cNvSpPr>
-            <a:spLocks noChangeArrowheads="1"/>
+            <a:spLocks noGrp="1" noChangeArrowheads="1"/>
           </p:cNvSpPr>
           <p:nvPr>
             <p:ph type="body" idx="1"/>
@@ -1908,7 +1908,7 @@
         <p:nvSpPr>
           <p:cNvPr id="8195" name="Rectangle 1"/>
           <p:cNvSpPr>
-            <a:spLocks noChangeArrowheads="1" noTextEdit="1"/>
+            <a:spLocks noGrp="1" noRot="1" noChangeAspect="1" noChangeArrowheads="1" noTextEdit="1"/>
           </p:cNvSpPr>
           <p:nvPr>
             <p:ph type="sldImg"/>
@@ -1934,7 +1934,7 @@
         <p:nvSpPr>
           <p:cNvPr id="8196" name="Rectangle 2"/>
           <p:cNvSpPr>
-            <a:spLocks noChangeArrowheads="1"/>
+            <a:spLocks noGrp="1" noChangeArrowheads="1"/>
           </p:cNvSpPr>
           <p:nvPr>
             <p:ph type="body" idx="1"/>
@@ -2025,7 +2025,7 @@
         <p:nvSpPr>
           <p:cNvPr id="10243" name="Rectangle 1"/>
           <p:cNvSpPr>
-            <a:spLocks noChangeArrowheads="1" noTextEdit="1"/>
+            <a:spLocks noGrp="1" noRot="1" noChangeAspect="1" noChangeArrowheads="1" noTextEdit="1"/>
           </p:cNvSpPr>
           <p:nvPr>
             <p:ph type="sldImg"/>
@@ -2051,7 +2051,7 @@
         <p:nvSpPr>
           <p:cNvPr id="10244" name="Rectangle 2"/>
           <p:cNvSpPr>
-            <a:spLocks noChangeArrowheads="1"/>
+            <a:spLocks noGrp="1" noChangeArrowheads="1"/>
           </p:cNvSpPr>
           <p:nvPr>
             <p:ph type="body" idx="1"/>
@@ -2142,7 +2142,7 @@
         <p:nvSpPr>
           <p:cNvPr id="12291" name="Rectangle 1"/>
           <p:cNvSpPr>
-            <a:spLocks noChangeArrowheads="1" noTextEdit="1"/>
+            <a:spLocks noGrp="1" noRot="1" noChangeAspect="1" noChangeArrowheads="1" noTextEdit="1"/>
           </p:cNvSpPr>
           <p:nvPr>
             <p:ph type="sldImg"/>
@@ -2168,7 +2168,7 @@
         <p:nvSpPr>
           <p:cNvPr id="12292" name="Rectangle 2"/>
           <p:cNvSpPr>
-            <a:spLocks noChangeArrowheads="1"/>
+            <a:spLocks noGrp="1" noChangeArrowheads="1"/>
           </p:cNvSpPr>
           <p:nvPr>
             <p:ph type="body" idx="1"/>
@@ -2259,7 +2259,7 @@
         <p:nvSpPr>
           <p:cNvPr id="14339" name="Rectangle 1"/>
           <p:cNvSpPr>
-            <a:spLocks noChangeArrowheads="1" noTextEdit="1"/>
+            <a:spLocks noGrp="1" noRot="1" noChangeAspect="1" noChangeArrowheads="1" noTextEdit="1"/>
           </p:cNvSpPr>
           <p:nvPr>
             <p:ph type="sldImg"/>
@@ -2285,7 +2285,7 @@
         <p:nvSpPr>
           <p:cNvPr id="14340" name="Rectangle 2"/>
           <p:cNvSpPr>
-            <a:spLocks noChangeArrowheads="1"/>
+            <a:spLocks noGrp="1" noChangeArrowheads="1"/>
           </p:cNvSpPr>
           <p:nvPr>
             <p:ph type="body" idx="1"/>
@@ -2376,7 +2376,7 @@
         <p:nvSpPr>
           <p:cNvPr id="16387" name="Rectangle 1"/>
           <p:cNvSpPr>
-            <a:spLocks noChangeArrowheads="1" noTextEdit="1"/>
+            <a:spLocks noGrp="1" noRot="1" noChangeAspect="1" noChangeArrowheads="1" noTextEdit="1"/>
           </p:cNvSpPr>
           <p:nvPr>
             <p:ph type="sldImg"/>
@@ -2402,7 +2402,7 @@
         <p:nvSpPr>
           <p:cNvPr id="16388" name="Rectangle 2"/>
           <p:cNvSpPr>
-            <a:spLocks noChangeArrowheads="1"/>
+            <a:spLocks noGrp="1" noChangeArrowheads="1"/>
           </p:cNvSpPr>
           <p:nvPr>
             <p:ph type="body" idx="1"/>
@@ -2493,7 +2493,7 @@
         <p:nvSpPr>
           <p:cNvPr id="18435" name="Rectangle 1"/>
           <p:cNvSpPr>
-            <a:spLocks noChangeArrowheads="1" noTextEdit="1"/>
+            <a:spLocks noGrp="1" noRot="1" noChangeAspect="1" noChangeArrowheads="1" noTextEdit="1"/>
           </p:cNvSpPr>
           <p:nvPr>
             <p:ph type="sldImg"/>
@@ -2519,7 +2519,7 @@
         <p:nvSpPr>
           <p:cNvPr id="18436" name="Rectangle 2"/>
           <p:cNvSpPr>
-            <a:spLocks noChangeArrowheads="1"/>
+            <a:spLocks noGrp="1" noChangeArrowheads="1"/>
           </p:cNvSpPr>
           <p:nvPr>
             <p:ph type="body" idx="1"/>
@@ -2610,7 +2610,7 @@
         <p:nvSpPr>
           <p:cNvPr id="20483" name="Rectangle 1"/>
           <p:cNvSpPr>
-            <a:spLocks noChangeArrowheads="1" noTextEdit="1"/>
+            <a:spLocks noGrp="1" noRot="1" noChangeAspect="1" noChangeArrowheads="1" noTextEdit="1"/>
           </p:cNvSpPr>
           <p:nvPr>
             <p:ph type="sldImg"/>
@@ -2636,7 +2636,7 @@
         <p:nvSpPr>
           <p:cNvPr id="20484" name="Rectangle 2"/>
           <p:cNvSpPr>
-            <a:spLocks noChangeArrowheads="1"/>
+            <a:spLocks noGrp="1" noChangeArrowheads="1"/>
           </p:cNvSpPr>
           <p:nvPr>
             <p:ph type="body" idx="1"/>
@@ -5421,14 +5421,14 @@
           <a:effectLst/>
           <a:extLst>
             <a:ext uri="{909E8E84-426E-40DD-AFC4-6F175D3DCCD1}">
-              <a14:hiddenFill xmlns:a14="http://schemas.microsoft.com/office/drawing/2010/main" xmlns="">
+              <a14:hiddenFill xmlns="" xmlns:a14="http://schemas.microsoft.com/office/drawing/2010/main">
                 <a:solidFill>
                   <a:srgbClr val="FFFFFF"/>
                 </a:solidFill>
               </a14:hiddenFill>
             </a:ext>
             <a:ext uri="{91240B29-F687-4F45-9708-019B960494DF}">
-              <a14:hiddenLine xmlns:a14="http://schemas.microsoft.com/office/drawing/2010/main" xmlns="" w="9525">
+              <a14:hiddenLine xmlns="" xmlns:a14="http://schemas.microsoft.com/office/drawing/2010/main" w="9525">
                 <a:solidFill>
                   <a:srgbClr val="000000"/>
                 </a:solidFill>
@@ -5438,7 +5438,7 @@
               </a14:hiddenLine>
             </a:ext>
             <a:ext uri="{AF507438-7753-43E0-B8FC-AC1667EBCBE1}">
-              <a14:hiddenEffects xmlns:a14="http://schemas.microsoft.com/office/drawing/2010/main" xmlns="">
+              <a14:hiddenEffects xmlns="" xmlns:a14="http://schemas.microsoft.com/office/drawing/2010/main">
                 <a:effectLst>
                   <a:outerShdw dist="35921" dir="2700000" algn="ctr" rotWithShape="0">
                     <a:schemeClr val="bg2"/>
@@ -5512,14 +5512,14 @@
           <a:effectLst/>
           <a:extLst>
             <a:ext uri="{909E8E84-426E-40DD-AFC4-6F175D3DCCD1}">
-              <a14:hiddenFill xmlns:a14="http://schemas.microsoft.com/office/drawing/2010/main" xmlns="">
+              <a14:hiddenFill xmlns="" xmlns:a14="http://schemas.microsoft.com/office/drawing/2010/main">
                 <a:solidFill>
                   <a:srgbClr val="FFFFFF"/>
                 </a:solidFill>
               </a14:hiddenFill>
             </a:ext>
             <a:ext uri="{91240B29-F687-4F45-9708-019B960494DF}">
-              <a14:hiddenLine xmlns:a14="http://schemas.microsoft.com/office/drawing/2010/main" xmlns="" w="9525">
+              <a14:hiddenLine xmlns="" xmlns:a14="http://schemas.microsoft.com/office/drawing/2010/main" w="9525">
                 <a:solidFill>
                   <a:srgbClr val="000000"/>
                 </a:solidFill>
@@ -5529,7 +5529,7 @@
               </a14:hiddenLine>
             </a:ext>
             <a:ext uri="{AF507438-7753-43E0-B8FC-AC1667EBCBE1}">
-              <a14:hiddenEffects xmlns:a14="http://schemas.microsoft.com/office/drawing/2010/main" xmlns="">
+              <a14:hiddenEffects xmlns="" xmlns:a14="http://schemas.microsoft.com/office/drawing/2010/main">
                 <a:effectLst>
                   <a:outerShdw dist="35921" dir="2700000" algn="ctr" rotWithShape="0">
                     <a:schemeClr val="bg2"/>
@@ -5604,14 +5604,14 @@
           <a:effectLst/>
           <a:extLst>
             <a:ext uri="{909E8E84-426E-40DD-AFC4-6F175D3DCCD1}">
-              <a14:hiddenFill xmlns:a14="http://schemas.microsoft.com/office/drawing/2010/main" xmlns="">
+              <a14:hiddenFill xmlns="" xmlns:a14="http://schemas.microsoft.com/office/drawing/2010/main">
                 <a:solidFill>
                   <a:srgbClr val="FFFFFF"/>
                 </a:solidFill>
               </a14:hiddenFill>
             </a:ext>
             <a:ext uri="{91240B29-F687-4F45-9708-019B960494DF}">
-              <a14:hiddenLine xmlns:a14="http://schemas.microsoft.com/office/drawing/2010/main" xmlns="" w="9525">
+              <a14:hiddenLine xmlns="" xmlns:a14="http://schemas.microsoft.com/office/drawing/2010/main" w="9525">
                 <a:solidFill>
                   <a:srgbClr val="000000"/>
                 </a:solidFill>
@@ -5621,7 +5621,7 @@
               </a14:hiddenLine>
             </a:ext>
             <a:ext uri="{AF507438-7753-43E0-B8FC-AC1667EBCBE1}">
-              <a14:hiddenEffects xmlns:a14="http://schemas.microsoft.com/office/drawing/2010/main" xmlns="">
+              <a14:hiddenEffects xmlns="" xmlns:a14="http://schemas.microsoft.com/office/drawing/2010/main">
                 <a:effectLst>
                   <a:outerShdw dist="35921" dir="2700000" algn="ctr" rotWithShape="0">
                     <a:schemeClr val="bg2"/>
@@ -6472,7 +6472,7 @@
   <p:timing>
     <p:tnLst>
       <p:par>
-        <p:cTn id="1" dur="indefinite" nodeType="tmRoot">
+        <p:cTn id="1" dur="indefinite" restart="never" nodeType="tmRoot">
           <p:childTnLst>
             <p:seq concurrent="1" nextAc="seek">
               <p:cTn id="2" dur="0" nodeType="mainSeq"/>
@@ -6924,7 +6924,7 @@
   <p:timing>
     <p:tnLst>
       <p:par>
-        <p:cTn id="1" dur="indefinite" nodeType="tmRoot">
+        <p:cTn id="1" dur="indefinite" restart="never" nodeType="tmRoot">
           <p:childTnLst>
             <p:seq concurrent="1" nextAc="seek">
               <p:cTn id="2" dur="0" nodeType="mainSeq"/>
@@ -7435,7 +7435,7 @@
   <p:timing>
     <p:tnLst>
       <p:par>
-        <p:cTn id="1" dur="indefinite" nodeType="tmRoot">
+        <p:cTn id="1" dur="indefinite" restart="never" nodeType="tmRoot">
           <p:childTnLst>
             <p:seq concurrent="1" nextAc="seek">
               <p:cTn id="2" dur="0" nodeType="mainSeq"/>
@@ -7903,7 +7903,7 @@
   <p:timing>
     <p:tnLst>
       <p:par>
-        <p:cTn id="1" dur="indefinite" nodeType="tmRoot">
+        <p:cTn id="1" dur="indefinite" restart="never" nodeType="tmRoot">
           <p:childTnLst>
             <p:seq concurrent="1" nextAc="seek">
               <p:cTn id="2" dur="0" nodeType="mainSeq"/>
@@ -8290,7 +8290,7 @@
   <p:timing>
     <p:tnLst>
       <p:par>
-        <p:cTn id="1" dur="indefinite" nodeType="tmRoot">
+        <p:cTn id="1" dur="indefinite" restart="never" nodeType="tmRoot">
           <p:childTnLst>
             <p:seq concurrent="1" nextAc="seek">
               <p:cTn id="2" dur="0" nodeType="mainSeq"/>
@@ -8677,7 +8677,7 @@
   <p:timing>
     <p:tnLst>
       <p:par>
-        <p:cTn id="1" dur="indefinite" nodeType="tmRoot">
+        <p:cTn id="1" dur="indefinite" restart="never" nodeType="tmRoot">
           <p:childTnLst>
             <p:seq concurrent="1" nextAc="seek">
               <p:cTn id="2" dur="0" nodeType="mainSeq"/>
@@ -9144,7 +9144,7 @@
   <p:timing>
     <p:tnLst>
       <p:par>
-        <p:cTn id="1" dur="indefinite" nodeType="tmRoot">
+        <p:cTn id="1" dur="indefinite" restart="never" nodeType="tmRoot">
           <p:childTnLst>
             <p:seq concurrent="1" nextAc="seek">
               <p:cTn id="2" dur="0" nodeType="mainSeq"/>
@@ -9722,7 +9722,7 @@
   <p:timing>
     <p:tnLst>
       <p:par>
-        <p:cTn id="1" dur="indefinite" nodeType="tmRoot">
+        <p:cTn id="1" dur="indefinite" restart="never" nodeType="tmRoot">
           <p:childTnLst>
             <p:seq concurrent="1" nextAc="seek">
               <p:cTn id="2" dur="0" nodeType="mainSeq"/>
@@ -10077,7 +10077,7 @@
   <p:timing>
     <p:tnLst>
       <p:par>
-        <p:cTn id="1" dur="indefinite" nodeType="tmRoot">
+        <p:cTn id="1" dur="indefinite" restart="never" nodeType="tmRoot">
           <p:childTnLst>
             <p:seq concurrent="1" nextAc="seek">
               <p:cTn id="2" dur="0" nodeType="mainSeq"/>
@@ -10471,7 +10471,7 @@
   <p:timing>
     <p:tnLst>
       <p:par>
-        <p:cTn id="1" dur="indefinite" nodeType="tmRoot">
+        <p:cTn id="1" dur="indefinite" restart="never" nodeType="tmRoot">
           <p:childTnLst>
             <p:seq concurrent="1" nextAc="seek">
               <p:cTn id="2" dur="0" nodeType="mainSeq"/>
@@ -10843,7 +10843,7 @@
   <p:timing>
     <p:tnLst>
       <p:par>
-        <p:cTn id="1" dur="indefinite" nodeType="tmRoot">
+        <p:cTn id="1" dur="indefinite" restart="never" nodeType="tmRoot">
           <p:childTnLst>
             <p:seq concurrent="1" nextAc="seek">
               <p:cTn id="2" dur="0" nodeType="mainSeq"/>
@@ -11287,7 +11287,7 @@
   <p:timing>
     <p:tnLst>
       <p:par>
-        <p:cTn id="1" dur="indefinite" nodeType="tmRoot">
+        <p:cTn id="1" dur="indefinite" restart="never" nodeType="tmRoot">
           <p:childTnLst>
             <p:seq concurrent="1" nextAc="seek">
               <p:cTn id="2" dur="0" nodeType="mainSeq"/>
@@ -11656,7 +11656,7 @@
   <p:timing>
     <p:tnLst>
       <p:par>
-        <p:cTn id="1" dur="indefinite" nodeType="tmRoot">
+        <p:cTn id="1" dur="indefinite" restart="never" nodeType="tmRoot">
           <p:childTnLst>
             <p:seq concurrent="1" nextAc="seek">
               <p:cTn id="2" dur="0" nodeType="mainSeq"/>
@@ -11996,7 +11996,7 @@
   <p:timing>
     <p:tnLst>
       <p:par>
-        <p:cTn id="1" dur="indefinite" nodeType="tmRoot">
+        <p:cTn id="1" dur="indefinite" restart="never" nodeType="tmRoot">
           <p:childTnLst>
             <p:seq concurrent="1" nextAc="seek">
               <p:cTn id="2" dur="0" nodeType="mainSeq"/>
@@ -12490,7 +12490,7 @@
   <p:timing>
     <p:tnLst>
       <p:par>
-        <p:cTn id="1" dur="indefinite" nodeType="tmRoot">
+        <p:cTn id="1" dur="indefinite" restart="never" nodeType="tmRoot">
           <p:childTnLst>
             <p:seq concurrent="1" nextAc="seek">
               <p:cTn id="2" dur="0" nodeType="mainSeq"/>
@@ -12870,7 +12870,7 @@
   <p:timing>
     <p:tnLst>
       <p:par>
-        <p:cTn id="1" dur="indefinite" nodeType="tmRoot">
+        <p:cTn id="1" dur="indefinite" restart="never" nodeType="tmRoot">
           <p:childTnLst>
             <p:seq concurrent="1" nextAc="seek">
               <p:cTn id="2" dur="0" nodeType="mainSeq"/>
@@ -12900,7 +12900,7 @@
 <file path=ppt/theme/theme1.xml><?xml version="1.0" encoding="utf-8"?>
 <a:theme xmlns:a="http://schemas.openxmlformats.org/drawingml/2006/main" name="Office Theme">
   <a:themeElements>
-    <a:clrScheme name="Office Theme 1">
+    <a:clrScheme name="Benutzerdefiniert 6">
       <a:dk1>
         <a:srgbClr val="000000"/>
       </a:dk1>
@@ -12932,10 +12932,10 @@
         <a:srgbClr val="2D2DB9"/>
       </a:accent6>
       <a:hlink>
-        <a:srgbClr val="CCCCFF"/>
+        <a:srgbClr val="2D2DB9"/>
       </a:hlink>
       <a:folHlink>
-        <a:srgbClr val="B2B2B2"/>
+        <a:srgbClr val="2D2DB9"/>
       </a:folHlink>
     </a:clrScheme>
     <a:fontScheme name="Office Theme">
@@ -13118,7 +13118,7 @@
         <a:effectLst/>
         <a:extLst>
           <a:ext uri="{AF507438-7753-43E0-B8FC-AC1667EBCBE1}">
-            <a14:hiddenEffects xmlns:a14="http://schemas.microsoft.com/office/drawing/2010/main" xmlns="">
+            <a14:hiddenEffects xmlns="" xmlns:a14="http://schemas.microsoft.com/office/drawing/2010/main">
               <a:effectLst>
                 <a:outerShdw dist="35921" dir="2700000" algn="ctr" rotWithShape="0">
                   <a:schemeClr val="bg2"/>
@@ -13191,7 +13191,7 @@
         <a:effectLst/>
         <a:extLst>
           <a:ext uri="{AF507438-7753-43E0-B8FC-AC1667EBCBE1}">
-            <a14:hiddenEffects xmlns:a14="http://schemas.microsoft.com/office/drawing/2010/main" xmlns="">
+            <a14:hiddenEffects xmlns="" xmlns:a14="http://schemas.microsoft.com/office/drawing/2010/main">
               <a:effectLst>
                 <a:outerShdw dist="35921" dir="2700000" algn="ctr" rotWithShape="0">
                   <a:schemeClr val="bg2"/>
@@ -13527,7 +13527,7 @@
   </a:extraClrSchemeLst>
   <a:extLst>
     <a:ext uri="{05A4C25C-085E-4340-85A3-A5531E510DB2}">
-      <thm15:themeFamily xmlns:thm15="http://schemas.microsoft.com/office/thememl/2012/main" xmlns="" name="Office Theme" id="{62F939B6-93AF-4DB8-9C6B-D6C7DFDC589F}" vid="{4A3C46E8-61CC-4603-A589-7422A47A8E4A}"/>
+      <thm15:themeFamily xmlns="" xmlns:thm15="http://schemas.microsoft.com/office/thememl/2012/main" name="Office Theme" id="{62F939B6-93AF-4DB8-9C6B-D6C7DFDC589F}" vid="{4A3C46E8-61CC-4603-A589-7422A47A8E4A}"/>
     </a:ext>
   </a:extLst>
 </a:theme>
@@ -13788,7 +13788,7 @@
   <a:extraClrSchemeLst/>
   <a:extLst>
     <a:ext uri="{05A4C25C-085E-4340-85A3-A5531E510DB2}">
-      <thm15:themeFamily xmlns:thm15="http://schemas.microsoft.com/office/thememl/2012/main" xmlns="" name="Office Theme" id="{62F939B6-93AF-4DB8-9C6B-D6C7DFDC589F}" vid="{4A3C46E8-61CC-4603-A589-7422A47A8E4A}"/>
+      <thm15:themeFamily xmlns="" xmlns:thm15="http://schemas.microsoft.com/office/thememl/2012/main" name="Office Theme" id="{62F939B6-93AF-4DB8-9C6B-D6C7DFDC589F}" vid="{4A3C46E8-61CC-4603-A589-7422A47A8E4A}"/>
     </a:ext>
   </a:extLst>
 </a:theme>
